--- a/Reports/DesignReport.pptx
+++ b/Reports/DesignReport.pptx
@@ -14,6 +14,7 @@
     <p:sldId id="262" r:id="rId8"/>
     <p:sldId id="263" r:id="rId9"/>
     <p:sldId id="264" r:id="rId10"/>
+    <p:sldId id="265" r:id="rId11"/>
   </p:sldIdLst>
   <p:sldSz cx="12192000" cy="6858000"/>
   <p:notesSz cx="6858000" cy="9144000"/>
@@ -112,6 +113,11 @@
       </a:defRPr>
     </a:lvl9pPr>
   </p:defaultTextStyle>
+  <p:extLst>
+    <p:ext uri="{EFAFB233-063F-42B5-8137-9DF3F51BA10A}">
+      <p15:sldGuideLst xmlns:p15="http://schemas.microsoft.com/office/powerpoint/2012/main"/>
+    </p:ext>
+  </p:extLst>
 </p:presentation>
 </file>
 
@@ -262,7 +268,7 @@
           <a:p>
             <a:fld id="{36D65652-806B-124B-8213-71EEF82D2356}" type="datetimeFigureOut">
               <a:rPr lang="en-US" smtClean="0"/>
-              <a:t>9/20/18</a:t>
+              <a:t>9/22/18</a:t>
             </a:fld>
             <a:endParaRPr lang="en-US"/>
           </a:p>
@@ -460,7 +466,7 @@
           <a:p>
             <a:fld id="{36D65652-806B-124B-8213-71EEF82D2356}" type="datetimeFigureOut">
               <a:rPr lang="en-US" smtClean="0"/>
-              <a:t>9/20/18</a:t>
+              <a:t>9/22/18</a:t>
             </a:fld>
             <a:endParaRPr lang="en-US"/>
           </a:p>
@@ -668,7 +674,7 @@
           <a:p>
             <a:fld id="{36D65652-806B-124B-8213-71EEF82D2356}" type="datetimeFigureOut">
               <a:rPr lang="en-US" smtClean="0"/>
-              <a:t>9/20/18</a:t>
+              <a:t>9/22/18</a:t>
             </a:fld>
             <a:endParaRPr lang="en-US"/>
           </a:p>
@@ -866,7 +872,7 @@
           <a:p>
             <a:fld id="{36D65652-806B-124B-8213-71EEF82D2356}" type="datetimeFigureOut">
               <a:rPr lang="en-US" smtClean="0"/>
-              <a:t>9/20/18</a:t>
+              <a:t>9/22/18</a:t>
             </a:fld>
             <a:endParaRPr lang="en-US"/>
           </a:p>
@@ -1141,7 +1147,7 @@
           <a:p>
             <a:fld id="{36D65652-806B-124B-8213-71EEF82D2356}" type="datetimeFigureOut">
               <a:rPr lang="en-US" smtClean="0"/>
-              <a:t>9/20/18</a:t>
+              <a:t>9/22/18</a:t>
             </a:fld>
             <a:endParaRPr lang="en-US"/>
           </a:p>
@@ -1406,7 +1412,7 @@
           <a:p>
             <a:fld id="{36D65652-806B-124B-8213-71EEF82D2356}" type="datetimeFigureOut">
               <a:rPr lang="en-US" smtClean="0"/>
-              <a:t>9/20/18</a:t>
+              <a:t>9/22/18</a:t>
             </a:fld>
             <a:endParaRPr lang="en-US"/>
           </a:p>
@@ -1818,7 +1824,7 @@
           <a:p>
             <a:fld id="{36D65652-806B-124B-8213-71EEF82D2356}" type="datetimeFigureOut">
               <a:rPr lang="en-US" smtClean="0"/>
-              <a:t>9/20/18</a:t>
+              <a:t>9/22/18</a:t>
             </a:fld>
             <a:endParaRPr lang="en-US"/>
           </a:p>
@@ -1959,7 +1965,7 @@
           <a:p>
             <a:fld id="{36D65652-806B-124B-8213-71EEF82D2356}" type="datetimeFigureOut">
               <a:rPr lang="en-US" smtClean="0"/>
-              <a:t>9/20/18</a:t>
+              <a:t>9/22/18</a:t>
             </a:fld>
             <a:endParaRPr lang="en-US"/>
           </a:p>
@@ -2072,7 +2078,7 @@
           <a:p>
             <a:fld id="{36D65652-806B-124B-8213-71EEF82D2356}" type="datetimeFigureOut">
               <a:rPr lang="en-US" smtClean="0"/>
-              <a:t>9/20/18</a:t>
+              <a:t>9/22/18</a:t>
             </a:fld>
             <a:endParaRPr lang="en-US"/>
           </a:p>
@@ -2383,7 +2389,7 @@
           <a:p>
             <a:fld id="{36D65652-806B-124B-8213-71EEF82D2356}" type="datetimeFigureOut">
               <a:rPr lang="en-US" smtClean="0"/>
-              <a:t>9/20/18</a:t>
+              <a:t>9/22/18</a:t>
             </a:fld>
             <a:endParaRPr lang="en-US"/>
           </a:p>
@@ -2671,7 +2677,7 @@
           <a:p>
             <a:fld id="{36D65652-806B-124B-8213-71EEF82D2356}" type="datetimeFigureOut">
               <a:rPr lang="en-US" smtClean="0"/>
-              <a:t>9/20/18</a:t>
+              <a:t>9/22/18</a:t>
             </a:fld>
             <a:endParaRPr lang="en-US"/>
           </a:p>
@@ -2912,7 +2918,7 @@
           <a:p>
             <a:fld id="{36D65652-806B-124B-8213-71EEF82D2356}" type="datetimeFigureOut">
               <a:rPr lang="en-US" smtClean="0"/>
-              <a:t>9/20/18</a:t>
+              <a:t>9/22/18</a:t>
             </a:fld>
             <a:endParaRPr lang="en-US"/>
           </a:p>
@@ -3457,6 +3463,1404 @@
 </p:sld>
 </file>
 
+<file path=ppt/slides/slide10.xml><?xml version="1.0" encoding="utf-8"?>
+<p:sld xmlns:a="http://schemas.openxmlformats.org/drawingml/2006/main" xmlns:r="http://schemas.openxmlformats.org/officeDocument/2006/relationships" xmlns:p="http://schemas.openxmlformats.org/presentationml/2006/main">
+  <p:cSld>
+    <p:spTree>
+      <p:nvGrpSpPr>
+        <p:cNvPr id="1" name=""/>
+        <p:cNvGrpSpPr/>
+        <p:nvPr/>
+      </p:nvGrpSpPr>
+      <p:grpSpPr>
+        <a:xfrm>
+          <a:off x="0" y="0"/>
+          <a:ext cx="0" cy="0"/>
+          <a:chOff x="0" y="0"/>
+          <a:chExt cx="0" cy="0"/>
+        </a:xfrm>
+      </p:grpSpPr>
+      <p:pic>
+        <p:nvPicPr>
+          <p:cNvPr id="2" name="Picture 1">
+            <a:extLst>
+              <a:ext uri="{FF2B5EF4-FFF2-40B4-BE49-F238E27FC236}">
+                <a16:creationId xmlns:a16="http://schemas.microsoft.com/office/drawing/2014/main" id="{66EFA52A-9C2A-154D-91E4-51C6073F98D7}"/>
+              </a:ext>
+            </a:extLst>
+          </p:cNvPr>
+          <p:cNvPicPr>
+            <a:picLocks noChangeAspect="1"/>
+          </p:cNvPicPr>
+          <p:nvPr/>
+        </p:nvPicPr>
+        <p:blipFill>
+          <a:blip r:embed="rId2"/>
+          <a:stretch>
+            <a:fillRect/>
+          </a:stretch>
+        </p:blipFill>
+        <p:spPr>
+          <a:xfrm>
+            <a:off x="4624264" y="362607"/>
+            <a:ext cx="6222411" cy="6114141"/>
+          </a:xfrm>
+          <a:prstGeom prst="rect">
+            <a:avLst/>
+          </a:prstGeom>
+        </p:spPr>
+      </p:pic>
+      <p:sp>
+        <p:nvSpPr>
+          <p:cNvPr id="3" name="TextBox 2">
+            <a:extLst>
+              <a:ext uri="{FF2B5EF4-FFF2-40B4-BE49-F238E27FC236}">
+                <a16:creationId xmlns:a16="http://schemas.microsoft.com/office/drawing/2014/main" id="{3013A4C9-7E43-B344-8DEF-F78A4FEC9ED6}"/>
+              </a:ext>
+            </a:extLst>
+          </p:cNvPr>
+          <p:cNvSpPr txBox="1"/>
+          <p:nvPr/>
+        </p:nvSpPr>
+        <p:spPr>
+          <a:xfrm>
+            <a:off x="282518" y="235972"/>
+            <a:ext cx="3390672" cy="707886"/>
+          </a:xfrm>
+          <a:prstGeom prst="rect">
+            <a:avLst/>
+          </a:prstGeom>
+          <a:noFill/>
+        </p:spPr>
+        <p:txBody>
+          <a:bodyPr wrap="none" rtlCol="0">
+            <a:spAutoFit/>
+          </a:bodyPr>
+          <a:lstStyle/>
+          <a:p>
+            <a:r>
+              <a:rPr lang="en-US" sz="4000" b="1" dirty="0">
+                <a:solidFill>
+                  <a:srgbClr val="EB4968"/>
+                </a:solidFill>
+                <a:latin typeface="Roboto" panose="02000000000000000000" pitchFamily="2" charset="0"/>
+                <a:ea typeface="Roboto" panose="02000000000000000000" pitchFamily="2" charset="0"/>
+                <a:cs typeface="Roboto" panose="02000000000000000000" pitchFamily="2" charset="0"/>
+              </a:rPr>
+              <a:t>App Structure</a:t>
+            </a:r>
+          </a:p>
+        </p:txBody>
+      </p:sp>
+      <p:sp>
+        <p:nvSpPr>
+          <p:cNvPr id="4" name="Rectangle 3">
+            <a:extLst>
+              <a:ext uri="{FF2B5EF4-FFF2-40B4-BE49-F238E27FC236}">
+                <a16:creationId xmlns:a16="http://schemas.microsoft.com/office/drawing/2014/main" id="{7DCF11AF-2CA6-CA49-9B28-124AECC8287C}"/>
+              </a:ext>
+            </a:extLst>
+          </p:cNvPr>
+          <p:cNvSpPr/>
+          <p:nvPr/>
+        </p:nvSpPr>
+        <p:spPr>
+          <a:xfrm>
+            <a:off x="5801710" y="362607"/>
+            <a:ext cx="916923" cy="1271883"/>
+          </a:xfrm>
+          <a:prstGeom prst="rect">
+            <a:avLst/>
+          </a:prstGeom>
+          <a:solidFill>
+            <a:srgbClr val="FFFFFF">
+              <a:alpha val="1176"/>
+            </a:srgbClr>
+          </a:solidFill>
+          <a:ln>
+            <a:noFill/>
+          </a:ln>
+        </p:spPr>
+        <p:style>
+          <a:lnRef idx="2">
+            <a:schemeClr val="accent1">
+              <a:shade val="50000"/>
+            </a:schemeClr>
+          </a:lnRef>
+          <a:fillRef idx="1">
+            <a:schemeClr val="accent1"/>
+          </a:fillRef>
+          <a:effectRef idx="0">
+            <a:schemeClr val="accent1"/>
+          </a:effectRef>
+          <a:fontRef idx="minor">
+            <a:schemeClr val="lt1"/>
+          </a:fontRef>
+        </p:style>
+        <p:txBody>
+          <a:bodyPr rtlCol="0" anchor="ctr"/>
+          <a:lstStyle/>
+          <a:p>
+            <a:pPr algn="ctr"/>
+            <a:endParaRPr lang="en-US"/>
+          </a:p>
+        </p:txBody>
+      </p:sp>
+      <p:sp>
+        <p:nvSpPr>
+          <p:cNvPr id="5" name="Rectangle 4">
+            <a:extLst>
+              <a:ext uri="{FF2B5EF4-FFF2-40B4-BE49-F238E27FC236}">
+                <a16:creationId xmlns:a16="http://schemas.microsoft.com/office/drawing/2014/main" id="{3F4CA5C9-DD9D-3544-B535-D810C75D64A4}"/>
+              </a:ext>
+            </a:extLst>
+          </p:cNvPr>
+          <p:cNvSpPr/>
+          <p:nvPr/>
+        </p:nvSpPr>
+        <p:spPr>
+          <a:xfrm>
+            <a:off x="4502500" y="1909438"/>
+            <a:ext cx="1178210" cy="1713843"/>
+          </a:xfrm>
+          <a:prstGeom prst="rect">
+            <a:avLst/>
+          </a:prstGeom>
+          <a:solidFill>
+            <a:srgbClr val="FFFFFF">
+              <a:alpha val="1176"/>
+            </a:srgbClr>
+          </a:solidFill>
+          <a:ln>
+            <a:noFill/>
+          </a:ln>
+        </p:spPr>
+        <p:style>
+          <a:lnRef idx="2">
+            <a:schemeClr val="accent1">
+              <a:shade val="50000"/>
+            </a:schemeClr>
+          </a:lnRef>
+          <a:fillRef idx="1">
+            <a:schemeClr val="accent1"/>
+          </a:fillRef>
+          <a:effectRef idx="0">
+            <a:schemeClr val="accent1"/>
+          </a:effectRef>
+          <a:fontRef idx="minor">
+            <a:schemeClr val="lt1"/>
+          </a:fontRef>
+        </p:style>
+        <p:txBody>
+          <a:bodyPr rtlCol="0" anchor="ctr"/>
+          <a:lstStyle/>
+          <a:p>
+            <a:pPr algn="ctr"/>
+            <a:endParaRPr lang="en-US"/>
+          </a:p>
+        </p:txBody>
+      </p:sp>
+      <p:sp>
+        <p:nvSpPr>
+          <p:cNvPr id="6" name="Rectangle 5">
+            <a:extLst>
+              <a:ext uri="{FF2B5EF4-FFF2-40B4-BE49-F238E27FC236}">
+                <a16:creationId xmlns:a16="http://schemas.microsoft.com/office/drawing/2014/main" id="{CB2AC287-5866-7248-B12E-9460146D7AA0}"/>
+              </a:ext>
+            </a:extLst>
+          </p:cNvPr>
+          <p:cNvSpPr/>
+          <p:nvPr/>
+        </p:nvSpPr>
+        <p:spPr>
+          <a:xfrm>
+            <a:off x="4869586" y="3771900"/>
+            <a:ext cx="584350" cy="152400"/>
+          </a:xfrm>
+          <a:prstGeom prst="rect">
+            <a:avLst/>
+          </a:prstGeom>
+          <a:solidFill>
+            <a:srgbClr val="FFFFFF">
+              <a:alpha val="1176"/>
+            </a:srgbClr>
+          </a:solidFill>
+          <a:ln>
+            <a:noFill/>
+          </a:ln>
+        </p:spPr>
+        <p:style>
+          <a:lnRef idx="2">
+            <a:schemeClr val="accent1">
+              <a:shade val="50000"/>
+            </a:schemeClr>
+          </a:lnRef>
+          <a:fillRef idx="1">
+            <a:schemeClr val="accent1"/>
+          </a:fillRef>
+          <a:effectRef idx="0">
+            <a:schemeClr val="accent1"/>
+          </a:effectRef>
+          <a:fontRef idx="minor">
+            <a:schemeClr val="lt1"/>
+          </a:fontRef>
+        </p:style>
+        <p:txBody>
+          <a:bodyPr rtlCol="0" anchor="ctr"/>
+          <a:lstStyle/>
+          <a:p>
+            <a:pPr algn="ctr"/>
+            <a:endParaRPr lang="en-US"/>
+          </a:p>
+        </p:txBody>
+      </p:sp>
+      <p:sp>
+        <p:nvSpPr>
+          <p:cNvPr id="7" name="Rectangle 6">
+            <a:extLst>
+              <a:ext uri="{FF2B5EF4-FFF2-40B4-BE49-F238E27FC236}">
+                <a16:creationId xmlns:a16="http://schemas.microsoft.com/office/drawing/2014/main" id="{BEB7222E-4DBE-F444-8CB0-078F15ECA106}"/>
+              </a:ext>
+            </a:extLst>
+          </p:cNvPr>
+          <p:cNvSpPr/>
+          <p:nvPr/>
+        </p:nvSpPr>
+        <p:spPr>
+          <a:xfrm>
+            <a:off x="4785064" y="4050030"/>
+            <a:ext cx="668872" cy="1470661"/>
+          </a:xfrm>
+          <a:prstGeom prst="rect">
+            <a:avLst/>
+          </a:prstGeom>
+          <a:solidFill>
+            <a:srgbClr val="FFFFFF">
+              <a:alpha val="1176"/>
+            </a:srgbClr>
+          </a:solidFill>
+          <a:ln>
+            <a:noFill/>
+          </a:ln>
+        </p:spPr>
+        <p:style>
+          <a:lnRef idx="2">
+            <a:schemeClr val="accent1">
+              <a:shade val="50000"/>
+            </a:schemeClr>
+          </a:lnRef>
+          <a:fillRef idx="1">
+            <a:schemeClr val="accent1"/>
+          </a:fillRef>
+          <a:effectRef idx="0">
+            <a:schemeClr val="accent1"/>
+          </a:effectRef>
+          <a:fontRef idx="minor">
+            <a:schemeClr val="lt1"/>
+          </a:fontRef>
+        </p:style>
+        <p:txBody>
+          <a:bodyPr rtlCol="0" anchor="ctr"/>
+          <a:lstStyle/>
+          <a:p>
+            <a:pPr algn="ctr"/>
+            <a:endParaRPr lang="en-US"/>
+          </a:p>
+        </p:txBody>
+      </p:sp>
+      <p:sp>
+        <p:nvSpPr>
+          <p:cNvPr id="8" name="Rectangle 7">
+            <a:extLst>
+              <a:ext uri="{FF2B5EF4-FFF2-40B4-BE49-F238E27FC236}">
+                <a16:creationId xmlns:a16="http://schemas.microsoft.com/office/drawing/2014/main" id="{6E432D2A-87D7-D444-A57A-C762D6F36398}"/>
+              </a:ext>
+            </a:extLst>
+          </p:cNvPr>
+          <p:cNvSpPr/>
+          <p:nvPr/>
+        </p:nvSpPr>
+        <p:spPr>
+          <a:xfrm>
+            <a:off x="7516969" y="1909438"/>
+            <a:ext cx="774509" cy="103607"/>
+          </a:xfrm>
+          <a:prstGeom prst="rect">
+            <a:avLst/>
+          </a:prstGeom>
+          <a:solidFill>
+            <a:srgbClr val="FFFFFF">
+              <a:alpha val="1176"/>
+            </a:srgbClr>
+          </a:solidFill>
+          <a:ln>
+            <a:noFill/>
+          </a:ln>
+        </p:spPr>
+        <p:style>
+          <a:lnRef idx="2">
+            <a:schemeClr val="accent1">
+              <a:shade val="50000"/>
+            </a:schemeClr>
+          </a:lnRef>
+          <a:fillRef idx="1">
+            <a:schemeClr val="accent1"/>
+          </a:fillRef>
+          <a:effectRef idx="0">
+            <a:schemeClr val="accent1"/>
+          </a:effectRef>
+          <a:fontRef idx="minor">
+            <a:schemeClr val="lt1"/>
+          </a:fontRef>
+        </p:style>
+        <p:txBody>
+          <a:bodyPr rtlCol="0" anchor="ctr"/>
+          <a:lstStyle/>
+          <a:p>
+            <a:pPr algn="ctr"/>
+            <a:endParaRPr lang="en-US"/>
+          </a:p>
+        </p:txBody>
+      </p:sp>
+      <p:sp>
+        <p:nvSpPr>
+          <p:cNvPr id="9" name="Rectangle 8">
+            <a:extLst>
+              <a:ext uri="{FF2B5EF4-FFF2-40B4-BE49-F238E27FC236}">
+                <a16:creationId xmlns:a16="http://schemas.microsoft.com/office/drawing/2014/main" id="{1C0F2C5B-C32E-0C4B-AAD5-03D632BB808A}"/>
+              </a:ext>
+            </a:extLst>
+          </p:cNvPr>
+          <p:cNvSpPr/>
+          <p:nvPr/>
+        </p:nvSpPr>
+        <p:spPr>
+          <a:xfrm>
+            <a:off x="7018019" y="3646170"/>
+            <a:ext cx="1165861" cy="1659383"/>
+          </a:xfrm>
+          <a:prstGeom prst="rect">
+            <a:avLst/>
+          </a:prstGeom>
+          <a:solidFill>
+            <a:srgbClr val="FFFFFF">
+              <a:alpha val="1176"/>
+            </a:srgbClr>
+          </a:solidFill>
+          <a:ln>
+            <a:noFill/>
+          </a:ln>
+        </p:spPr>
+        <p:style>
+          <a:lnRef idx="2">
+            <a:schemeClr val="accent1">
+              <a:shade val="50000"/>
+            </a:schemeClr>
+          </a:lnRef>
+          <a:fillRef idx="1">
+            <a:schemeClr val="accent1"/>
+          </a:fillRef>
+          <a:effectRef idx="0">
+            <a:schemeClr val="accent1"/>
+          </a:effectRef>
+          <a:fontRef idx="minor">
+            <a:schemeClr val="lt1"/>
+          </a:fontRef>
+        </p:style>
+        <p:txBody>
+          <a:bodyPr rtlCol="0" anchor="ctr"/>
+          <a:lstStyle/>
+          <a:p>
+            <a:pPr algn="ctr"/>
+            <a:endParaRPr lang="en-US"/>
+          </a:p>
+        </p:txBody>
+      </p:sp>
+      <p:sp>
+        <p:nvSpPr>
+          <p:cNvPr id="10" name="Rectangle 9">
+            <a:extLst>
+              <a:ext uri="{FF2B5EF4-FFF2-40B4-BE49-F238E27FC236}">
+                <a16:creationId xmlns:a16="http://schemas.microsoft.com/office/drawing/2014/main" id="{37317EFD-B0FD-494F-B8FD-F42125EAAA11}"/>
+              </a:ext>
+            </a:extLst>
+          </p:cNvPr>
+          <p:cNvSpPr/>
+          <p:nvPr/>
+        </p:nvSpPr>
+        <p:spPr>
+          <a:xfrm>
+            <a:off x="8291478" y="3646170"/>
+            <a:ext cx="1165861" cy="1659383"/>
+          </a:xfrm>
+          <a:prstGeom prst="rect">
+            <a:avLst/>
+          </a:prstGeom>
+          <a:solidFill>
+            <a:srgbClr val="FFFFFF">
+              <a:alpha val="1176"/>
+            </a:srgbClr>
+          </a:solidFill>
+          <a:ln>
+            <a:noFill/>
+          </a:ln>
+        </p:spPr>
+        <p:style>
+          <a:lnRef idx="2">
+            <a:schemeClr val="accent1">
+              <a:shade val="50000"/>
+            </a:schemeClr>
+          </a:lnRef>
+          <a:fillRef idx="1">
+            <a:schemeClr val="accent1"/>
+          </a:fillRef>
+          <a:effectRef idx="0">
+            <a:schemeClr val="accent1"/>
+          </a:effectRef>
+          <a:fontRef idx="minor">
+            <a:schemeClr val="lt1"/>
+          </a:fontRef>
+        </p:style>
+        <p:txBody>
+          <a:bodyPr rtlCol="0" anchor="ctr"/>
+          <a:lstStyle/>
+          <a:p>
+            <a:pPr algn="ctr"/>
+            <a:endParaRPr lang="en-US"/>
+          </a:p>
+        </p:txBody>
+      </p:sp>
+      <p:sp>
+        <p:nvSpPr>
+          <p:cNvPr id="11" name="Rectangle 10">
+            <a:extLst>
+              <a:ext uri="{FF2B5EF4-FFF2-40B4-BE49-F238E27FC236}">
+                <a16:creationId xmlns:a16="http://schemas.microsoft.com/office/drawing/2014/main" id="{6C4B081C-7FC5-CE40-B33A-1256D9592223}"/>
+              </a:ext>
+            </a:extLst>
+          </p:cNvPr>
+          <p:cNvSpPr/>
+          <p:nvPr/>
+        </p:nvSpPr>
+        <p:spPr>
+          <a:xfrm>
+            <a:off x="9747963" y="3646170"/>
+            <a:ext cx="729887" cy="1659383"/>
+          </a:xfrm>
+          <a:prstGeom prst="rect">
+            <a:avLst/>
+          </a:prstGeom>
+          <a:solidFill>
+            <a:srgbClr val="FFFFFF">
+              <a:alpha val="1176"/>
+            </a:srgbClr>
+          </a:solidFill>
+          <a:ln>
+            <a:noFill/>
+          </a:ln>
+        </p:spPr>
+        <p:style>
+          <a:lnRef idx="2">
+            <a:schemeClr val="accent1">
+              <a:shade val="50000"/>
+            </a:schemeClr>
+          </a:lnRef>
+          <a:fillRef idx="1">
+            <a:schemeClr val="accent1"/>
+          </a:fillRef>
+          <a:effectRef idx="0">
+            <a:schemeClr val="accent1"/>
+          </a:effectRef>
+          <a:fontRef idx="minor">
+            <a:schemeClr val="lt1"/>
+          </a:fontRef>
+        </p:style>
+        <p:txBody>
+          <a:bodyPr rtlCol="0" anchor="ctr"/>
+          <a:lstStyle/>
+          <a:p>
+            <a:pPr algn="ctr"/>
+            <a:endParaRPr lang="en-US"/>
+          </a:p>
+        </p:txBody>
+      </p:sp>
+      <p:sp>
+        <p:nvSpPr>
+          <p:cNvPr id="12" name="Rectangle 11">
+            <a:extLst>
+              <a:ext uri="{FF2B5EF4-FFF2-40B4-BE49-F238E27FC236}">
+                <a16:creationId xmlns:a16="http://schemas.microsoft.com/office/drawing/2014/main" id="{4489F999-7B29-E648-9DFA-1137B96129FC}"/>
+              </a:ext>
+            </a:extLst>
+          </p:cNvPr>
+          <p:cNvSpPr/>
+          <p:nvPr/>
+        </p:nvSpPr>
+        <p:spPr>
+          <a:xfrm>
+            <a:off x="10033233" y="5198617"/>
+            <a:ext cx="654341" cy="1659383"/>
+          </a:xfrm>
+          <a:prstGeom prst="rect">
+            <a:avLst/>
+          </a:prstGeom>
+          <a:solidFill>
+            <a:srgbClr val="FFFFFF">
+              <a:alpha val="1176"/>
+            </a:srgbClr>
+          </a:solidFill>
+          <a:ln>
+            <a:noFill/>
+          </a:ln>
+        </p:spPr>
+        <p:style>
+          <a:lnRef idx="2">
+            <a:schemeClr val="accent1">
+              <a:shade val="50000"/>
+            </a:schemeClr>
+          </a:lnRef>
+          <a:fillRef idx="1">
+            <a:schemeClr val="accent1"/>
+          </a:fillRef>
+          <a:effectRef idx="0">
+            <a:schemeClr val="accent1"/>
+          </a:effectRef>
+          <a:fontRef idx="minor">
+            <a:schemeClr val="lt1"/>
+          </a:fontRef>
+        </p:style>
+        <p:txBody>
+          <a:bodyPr rtlCol="0" anchor="ctr"/>
+          <a:lstStyle/>
+          <a:p>
+            <a:pPr algn="ctr"/>
+            <a:endParaRPr lang="en-US"/>
+          </a:p>
+        </p:txBody>
+      </p:sp>
+      <p:cxnSp>
+        <p:nvCxnSpPr>
+          <p:cNvPr id="16" name="Elbow Connector 15">
+            <a:extLst>
+              <a:ext uri="{FF2B5EF4-FFF2-40B4-BE49-F238E27FC236}">
+                <a16:creationId xmlns:a16="http://schemas.microsoft.com/office/drawing/2014/main" id="{A90348CE-A45D-7D4D-ACEF-E28EE60D7BC9}"/>
+              </a:ext>
+            </a:extLst>
+          </p:cNvPr>
+          <p:cNvCxnSpPr>
+            <a:stCxn id="4" idx="2"/>
+            <a:endCxn id="5" idx="0"/>
+          </p:cNvCxnSpPr>
+          <p:nvPr/>
+        </p:nvCxnSpPr>
+        <p:spPr>
+          <a:xfrm rot="5400000">
+            <a:off x="5538415" y="1187681"/>
+            <a:ext cx="274948" cy="1168567"/>
+          </a:xfrm>
+          <a:prstGeom prst="bentConnector3">
+            <a:avLst/>
+          </a:prstGeom>
+          <a:ln w="25400" cap="rnd">
+            <a:solidFill>
+              <a:srgbClr val="EB4968"/>
+            </a:solidFill>
+            <a:round/>
+            <a:tailEnd type="triangle"/>
+          </a:ln>
+        </p:spPr>
+        <p:style>
+          <a:lnRef idx="1">
+            <a:schemeClr val="accent1"/>
+          </a:lnRef>
+          <a:fillRef idx="0">
+            <a:schemeClr val="accent1"/>
+          </a:fillRef>
+          <a:effectRef idx="0">
+            <a:schemeClr val="accent1"/>
+          </a:effectRef>
+          <a:fontRef idx="minor">
+            <a:schemeClr val="tx1"/>
+          </a:fontRef>
+        </p:style>
+      </p:cxnSp>
+      <p:cxnSp>
+        <p:nvCxnSpPr>
+          <p:cNvPr id="17" name="Elbow Connector 16">
+            <a:extLst>
+              <a:ext uri="{FF2B5EF4-FFF2-40B4-BE49-F238E27FC236}">
+                <a16:creationId xmlns:a16="http://schemas.microsoft.com/office/drawing/2014/main" id="{0F5A3AFE-3F73-C34D-BBF1-E3C139E2615B}"/>
+              </a:ext>
+            </a:extLst>
+          </p:cNvPr>
+          <p:cNvCxnSpPr>
+            <a:cxnSpLocks/>
+            <a:stCxn id="4" idx="2"/>
+            <a:endCxn id="8" idx="0"/>
+          </p:cNvCxnSpPr>
+          <p:nvPr/>
+        </p:nvCxnSpPr>
+        <p:spPr>
+          <a:xfrm rot="16200000" flipH="1">
+            <a:off x="6944724" y="949938"/>
+            <a:ext cx="274948" cy="1644052"/>
+          </a:xfrm>
+          <a:prstGeom prst="bentConnector3">
+            <a:avLst>
+              <a:gd name="adj1" fmla="val 50000"/>
+            </a:avLst>
+          </a:prstGeom>
+          <a:ln w="25400" cap="rnd">
+            <a:solidFill>
+              <a:srgbClr val="EB4968"/>
+            </a:solidFill>
+            <a:round/>
+            <a:tailEnd type="triangle"/>
+          </a:ln>
+        </p:spPr>
+        <p:style>
+          <a:lnRef idx="1">
+            <a:schemeClr val="accent1"/>
+          </a:lnRef>
+          <a:fillRef idx="0">
+            <a:schemeClr val="accent1"/>
+          </a:fillRef>
+          <a:effectRef idx="0">
+            <a:schemeClr val="accent1"/>
+          </a:effectRef>
+          <a:fontRef idx="minor">
+            <a:schemeClr val="tx1"/>
+          </a:fontRef>
+        </p:style>
+      </p:cxnSp>
+      <p:cxnSp>
+        <p:nvCxnSpPr>
+          <p:cNvPr id="22" name="Elbow Connector 21">
+            <a:extLst>
+              <a:ext uri="{FF2B5EF4-FFF2-40B4-BE49-F238E27FC236}">
+                <a16:creationId xmlns:a16="http://schemas.microsoft.com/office/drawing/2014/main" id="{A072C1A7-F0B3-B74A-8794-50C0D81E9226}"/>
+              </a:ext>
+            </a:extLst>
+          </p:cNvPr>
+          <p:cNvCxnSpPr>
+            <a:cxnSpLocks/>
+            <a:stCxn id="6" idx="3"/>
+            <a:endCxn id="8" idx="1"/>
+          </p:cNvCxnSpPr>
+          <p:nvPr/>
+        </p:nvCxnSpPr>
+        <p:spPr>
+          <a:xfrm flipV="1">
+            <a:off x="5453936" y="1961242"/>
+            <a:ext cx="2063033" cy="1886858"/>
+          </a:xfrm>
+          <a:prstGeom prst="bentConnector3">
+            <a:avLst>
+              <a:gd name="adj1" fmla="val 27193"/>
+            </a:avLst>
+          </a:prstGeom>
+          <a:ln w="25400" cap="rnd">
+            <a:solidFill>
+              <a:srgbClr val="EB4968"/>
+            </a:solidFill>
+            <a:round/>
+            <a:tailEnd type="triangle"/>
+          </a:ln>
+        </p:spPr>
+        <p:style>
+          <a:lnRef idx="1">
+            <a:schemeClr val="accent1"/>
+          </a:lnRef>
+          <a:fillRef idx="0">
+            <a:schemeClr val="accent1"/>
+          </a:fillRef>
+          <a:effectRef idx="0">
+            <a:schemeClr val="accent1"/>
+          </a:effectRef>
+          <a:fontRef idx="minor">
+            <a:schemeClr val="tx1"/>
+          </a:fontRef>
+        </p:style>
+      </p:cxnSp>
+      <p:cxnSp>
+        <p:nvCxnSpPr>
+          <p:cNvPr id="46" name="Elbow Connector 45">
+            <a:extLst>
+              <a:ext uri="{FF2B5EF4-FFF2-40B4-BE49-F238E27FC236}">
+                <a16:creationId xmlns:a16="http://schemas.microsoft.com/office/drawing/2014/main" id="{8EB29485-C74A-BA43-88F7-731C3743CC26}"/>
+              </a:ext>
+            </a:extLst>
+          </p:cNvPr>
+          <p:cNvCxnSpPr>
+            <a:cxnSpLocks/>
+            <a:stCxn id="6" idx="1"/>
+            <a:endCxn id="7" idx="1"/>
+          </p:cNvCxnSpPr>
+          <p:nvPr/>
+        </p:nvCxnSpPr>
+        <p:spPr>
+          <a:xfrm rot="10800000" flipV="1">
+            <a:off x="4785064" y="3848099"/>
+            <a:ext cx="84522" cy="937261"/>
+          </a:xfrm>
+          <a:prstGeom prst="bentConnector3">
+            <a:avLst>
+              <a:gd name="adj1" fmla="val 370462"/>
+            </a:avLst>
+          </a:prstGeom>
+          <a:ln w="25400" cap="rnd">
+            <a:solidFill>
+              <a:srgbClr val="EB4968"/>
+            </a:solidFill>
+            <a:round/>
+            <a:tailEnd type="triangle"/>
+          </a:ln>
+        </p:spPr>
+        <p:style>
+          <a:lnRef idx="1">
+            <a:schemeClr val="accent1"/>
+          </a:lnRef>
+          <a:fillRef idx="0">
+            <a:schemeClr val="accent1"/>
+          </a:fillRef>
+          <a:effectRef idx="0">
+            <a:schemeClr val="accent1"/>
+          </a:effectRef>
+          <a:fontRef idx="minor">
+            <a:schemeClr val="tx1"/>
+          </a:fontRef>
+        </p:style>
+      </p:cxnSp>
+      <p:cxnSp>
+        <p:nvCxnSpPr>
+          <p:cNvPr id="54" name="Elbow Connector 53">
+            <a:extLst>
+              <a:ext uri="{FF2B5EF4-FFF2-40B4-BE49-F238E27FC236}">
+                <a16:creationId xmlns:a16="http://schemas.microsoft.com/office/drawing/2014/main" id="{D767C11B-9AFE-BA41-8B47-077F625F0AB7}"/>
+              </a:ext>
+            </a:extLst>
+          </p:cNvPr>
+          <p:cNvCxnSpPr>
+            <a:cxnSpLocks/>
+            <a:stCxn id="7" idx="3"/>
+            <a:endCxn id="6" idx="2"/>
+          </p:cNvCxnSpPr>
+          <p:nvPr/>
+        </p:nvCxnSpPr>
+        <p:spPr>
+          <a:xfrm flipH="1" flipV="1">
+            <a:off x="5161761" y="3924300"/>
+            <a:ext cx="292175" cy="861061"/>
+          </a:xfrm>
+          <a:prstGeom prst="bentConnector4">
+            <a:avLst>
+              <a:gd name="adj1" fmla="val -187627"/>
+              <a:gd name="adj2" fmla="val 77234"/>
+            </a:avLst>
+          </a:prstGeom>
+          <a:ln w="25400" cap="rnd">
+            <a:solidFill>
+              <a:srgbClr val="EB4968"/>
+            </a:solidFill>
+            <a:round/>
+            <a:tailEnd type="triangle"/>
+          </a:ln>
+        </p:spPr>
+        <p:style>
+          <a:lnRef idx="1">
+            <a:schemeClr val="accent1"/>
+          </a:lnRef>
+          <a:fillRef idx="0">
+            <a:schemeClr val="accent1"/>
+          </a:fillRef>
+          <a:effectRef idx="0">
+            <a:schemeClr val="accent1"/>
+          </a:effectRef>
+          <a:fontRef idx="minor">
+            <a:schemeClr val="tx1"/>
+          </a:fontRef>
+        </p:style>
+      </p:cxnSp>
+      <p:cxnSp>
+        <p:nvCxnSpPr>
+          <p:cNvPr id="63" name="Elbow Connector 62">
+            <a:extLst>
+              <a:ext uri="{FF2B5EF4-FFF2-40B4-BE49-F238E27FC236}">
+                <a16:creationId xmlns:a16="http://schemas.microsoft.com/office/drawing/2014/main" id="{9B8E6E29-2DDB-7E4F-85BF-91B479C245C6}"/>
+              </a:ext>
+            </a:extLst>
+          </p:cNvPr>
+          <p:cNvCxnSpPr>
+            <a:cxnSpLocks/>
+            <a:stCxn id="65" idx="2"/>
+            <a:endCxn id="9" idx="0"/>
+          </p:cNvCxnSpPr>
+          <p:nvPr/>
+        </p:nvCxnSpPr>
+        <p:spPr>
+          <a:xfrm rot="5400000">
+            <a:off x="8209378" y="2729576"/>
+            <a:ext cx="308166" cy="1525022"/>
+          </a:xfrm>
+          <a:prstGeom prst="bentConnector3">
+            <a:avLst>
+              <a:gd name="adj1" fmla="val 50000"/>
+            </a:avLst>
+          </a:prstGeom>
+          <a:ln w="25400" cap="rnd">
+            <a:solidFill>
+              <a:srgbClr val="EB4968"/>
+            </a:solidFill>
+            <a:round/>
+            <a:tailEnd type="triangle"/>
+          </a:ln>
+        </p:spPr>
+        <p:style>
+          <a:lnRef idx="1">
+            <a:schemeClr val="accent1"/>
+          </a:lnRef>
+          <a:fillRef idx="0">
+            <a:schemeClr val="accent1"/>
+          </a:fillRef>
+          <a:effectRef idx="0">
+            <a:schemeClr val="accent1"/>
+          </a:effectRef>
+          <a:fontRef idx="minor">
+            <a:schemeClr val="tx1"/>
+          </a:fontRef>
+        </p:style>
+      </p:cxnSp>
+      <p:sp>
+        <p:nvSpPr>
+          <p:cNvPr id="65" name="Rectangle 64">
+            <a:extLst>
+              <a:ext uri="{FF2B5EF4-FFF2-40B4-BE49-F238E27FC236}">
+                <a16:creationId xmlns:a16="http://schemas.microsoft.com/office/drawing/2014/main" id="{12E9E684-E3F5-F842-BC8B-44D499CDB181}"/>
+              </a:ext>
+            </a:extLst>
+          </p:cNvPr>
+          <p:cNvSpPr/>
+          <p:nvPr/>
+        </p:nvSpPr>
+        <p:spPr>
+          <a:xfrm>
+            <a:off x="8738717" y="2088471"/>
+            <a:ext cx="774509" cy="1249533"/>
+          </a:xfrm>
+          <a:prstGeom prst="rect">
+            <a:avLst/>
+          </a:prstGeom>
+          <a:solidFill>
+            <a:srgbClr val="FFFFFF">
+              <a:alpha val="1176"/>
+            </a:srgbClr>
+          </a:solidFill>
+          <a:ln>
+            <a:noFill/>
+          </a:ln>
+        </p:spPr>
+        <p:style>
+          <a:lnRef idx="2">
+            <a:schemeClr val="accent1">
+              <a:shade val="50000"/>
+            </a:schemeClr>
+          </a:lnRef>
+          <a:fillRef idx="1">
+            <a:schemeClr val="accent1"/>
+          </a:fillRef>
+          <a:effectRef idx="0">
+            <a:schemeClr val="accent1"/>
+          </a:effectRef>
+          <a:fontRef idx="minor">
+            <a:schemeClr val="lt1"/>
+          </a:fontRef>
+        </p:style>
+        <p:txBody>
+          <a:bodyPr rtlCol="0" anchor="ctr"/>
+          <a:lstStyle/>
+          <a:p>
+            <a:pPr algn="ctr"/>
+            <a:endParaRPr lang="en-US"/>
+          </a:p>
+        </p:txBody>
+      </p:sp>
+      <p:cxnSp>
+        <p:nvCxnSpPr>
+          <p:cNvPr id="69" name="Elbow Connector 68">
+            <a:extLst>
+              <a:ext uri="{FF2B5EF4-FFF2-40B4-BE49-F238E27FC236}">
+                <a16:creationId xmlns:a16="http://schemas.microsoft.com/office/drawing/2014/main" id="{A36C6189-B5C0-634C-A75A-1E4F5706D41E}"/>
+              </a:ext>
+            </a:extLst>
+          </p:cNvPr>
+          <p:cNvCxnSpPr>
+            <a:cxnSpLocks/>
+            <a:stCxn id="65" idx="2"/>
+            <a:endCxn id="10" idx="0"/>
+          </p:cNvCxnSpPr>
+          <p:nvPr/>
+        </p:nvCxnSpPr>
+        <p:spPr>
+          <a:xfrm rot="5400000">
+            <a:off x="8846108" y="3366306"/>
+            <a:ext cx="308166" cy="251563"/>
+          </a:xfrm>
+          <a:prstGeom prst="bentConnector3">
+            <a:avLst>
+              <a:gd name="adj1" fmla="val 50000"/>
+            </a:avLst>
+          </a:prstGeom>
+          <a:ln w="25400" cap="rnd">
+            <a:solidFill>
+              <a:srgbClr val="EB4968"/>
+            </a:solidFill>
+            <a:round/>
+            <a:tailEnd type="triangle"/>
+          </a:ln>
+        </p:spPr>
+        <p:style>
+          <a:lnRef idx="1">
+            <a:schemeClr val="accent1"/>
+          </a:lnRef>
+          <a:fillRef idx="0">
+            <a:schemeClr val="accent1"/>
+          </a:fillRef>
+          <a:effectRef idx="0">
+            <a:schemeClr val="accent1"/>
+          </a:effectRef>
+          <a:fontRef idx="minor">
+            <a:schemeClr val="tx1"/>
+          </a:fontRef>
+        </p:style>
+      </p:cxnSp>
+      <p:cxnSp>
+        <p:nvCxnSpPr>
+          <p:cNvPr id="73" name="Elbow Connector 72">
+            <a:extLst>
+              <a:ext uri="{FF2B5EF4-FFF2-40B4-BE49-F238E27FC236}">
+                <a16:creationId xmlns:a16="http://schemas.microsoft.com/office/drawing/2014/main" id="{02552101-6E4D-0948-89C8-DC84AC47156E}"/>
+              </a:ext>
+            </a:extLst>
+          </p:cNvPr>
+          <p:cNvCxnSpPr>
+            <a:cxnSpLocks/>
+            <a:stCxn id="65" idx="2"/>
+            <a:endCxn id="11" idx="0"/>
+          </p:cNvCxnSpPr>
+          <p:nvPr/>
+        </p:nvCxnSpPr>
+        <p:spPr>
+          <a:xfrm rot="16200000" flipH="1">
+            <a:off x="9465356" y="2998619"/>
+            <a:ext cx="308166" cy="986935"/>
+          </a:xfrm>
+          <a:prstGeom prst="bentConnector3">
+            <a:avLst>
+              <a:gd name="adj1" fmla="val 50000"/>
+            </a:avLst>
+          </a:prstGeom>
+          <a:ln w="25400" cap="rnd">
+            <a:solidFill>
+              <a:srgbClr val="EB4968"/>
+            </a:solidFill>
+            <a:round/>
+            <a:tailEnd type="triangle"/>
+          </a:ln>
+        </p:spPr>
+        <p:style>
+          <a:lnRef idx="1">
+            <a:schemeClr val="accent1"/>
+          </a:lnRef>
+          <a:fillRef idx="0">
+            <a:schemeClr val="accent1"/>
+          </a:fillRef>
+          <a:effectRef idx="0">
+            <a:schemeClr val="accent1"/>
+          </a:effectRef>
+          <a:fontRef idx="minor">
+            <a:schemeClr val="tx1"/>
+          </a:fontRef>
+        </p:style>
+      </p:cxnSp>
+      <p:sp>
+        <p:nvSpPr>
+          <p:cNvPr id="77" name="Rectangle 76">
+            <a:extLst>
+              <a:ext uri="{FF2B5EF4-FFF2-40B4-BE49-F238E27FC236}">
+                <a16:creationId xmlns:a16="http://schemas.microsoft.com/office/drawing/2014/main" id="{F1C9EC47-81BE-2B4E-AFC7-9B820112AE09}"/>
+              </a:ext>
+            </a:extLst>
+          </p:cNvPr>
+          <p:cNvSpPr/>
+          <p:nvPr/>
+        </p:nvSpPr>
+        <p:spPr>
+          <a:xfrm>
+            <a:off x="6510382" y="2296350"/>
+            <a:ext cx="661323" cy="998379"/>
+          </a:xfrm>
+          <a:prstGeom prst="rect">
+            <a:avLst/>
+          </a:prstGeom>
+          <a:solidFill>
+            <a:srgbClr val="FFFFFF">
+              <a:alpha val="1176"/>
+            </a:srgbClr>
+          </a:solidFill>
+          <a:ln>
+            <a:noFill/>
+          </a:ln>
+        </p:spPr>
+        <p:style>
+          <a:lnRef idx="2">
+            <a:schemeClr val="accent1">
+              <a:shade val="50000"/>
+            </a:schemeClr>
+          </a:lnRef>
+          <a:fillRef idx="1">
+            <a:schemeClr val="accent1"/>
+          </a:fillRef>
+          <a:effectRef idx="0">
+            <a:schemeClr val="accent1"/>
+          </a:effectRef>
+          <a:fontRef idx="minor">
+            <a:schemeClr val="lt1"/>
+          </a:fontRef>
+        </p:style>
+        <p:txBody>
+          <a:bodyPr rtlCol="0" anchor="ctr"/>
+          <a:lstStyle/>
+          <a:p>
+            <a:pPr algn="ctr"/>
+            <a:endParaRPr lang="en-US"/>
+          </a:p>
+        </p:txBody>
+      </p:sp>
+      <p:sp>
+        <p:nvSpPr>
+          <p:cNvPr id="78" name="Rectangle 77">
+            <a:extLst>
+              <a:ext uri="{FF2B5EF4-FFF2-40B4-BE49-F238E27FC236}">
+                <a16:creationId xmlns:a16="http://schemas.microsoft.com/office/drawing/2014/main" id="{7A93D607-8AEB-F64F-96D7-56F3E59D4DB2}"/>
+              </a:ext>
+            </a:extLst>
+          </p:cNvPr>
+          <p:cNvSpPr/>
+          <p:nvPr/>
+        </p:nvSpPr>
+        <p:spPr>
+          <a:xfrm>
+            <a:off x="7256858" y="2296350"/>
+            <a:ext cx="661323" cy="998379"/>
+          </a:xfrm>
+          <a:prstGeom prst="rect">
+            <a:avLst/>
+          </a:prstGeom>
+          <a:solidFill>
+            <a:srgbClr val="FFFFFF">
+              <a:alpha val="1176"/>
+            </a:srgbClr>
+          </a:solidFill>
+          <a:ln>
+            <a:noFill/>
+          </a:ln>
+        </p:spPr>
+        <p:style>
+          <a:lnRef idx="2">
+            <a:schemeClr val="accent1">
+              <a:shade val="50000"/>
+            </a:schemeClr>
+          </a:lnRef>
+          <a:fillRef idx="1">
+            <a:schemeClr val="accent1"/>
+          </a:fillRef>
+          <a:effectRef idx="0">
+            <a:schemeClr val="accent1"/>
+          </a:effectRef>
+          <a:fontRef idx="minor">
+            <a:schemeClr val="lt1"/>
+          </a:fontRef>
+        </p:style>
+        <p:txBody>
+          <a:bodyPr rtlCol="0" anchor="ctr"/>
+          <a:lstStyle/>
+          <a:p>
+            <a:pPr algn="ctr"/>
+            <a:endParaRPr lang="en-US"/>
+          </a:p>
+        </p:txBody>
+      </p:sp>
+      <p:sp>
+        <p:nvSpPr>
+          <p:cNvPr id="79" name="Rectangle 78">
+            <a:extLst>
+              <a:ext uri="{FF2B5EF4-FFF2-40B4-BE49-F238E27FC236}">
+                <a16:creationId xmlns:a16="http://schemas.microsoft.com/office/drawing/2014/main" id="{09A0C7DC-2FB2-0844-8D09-1FAE683CE309}"/>
+              </a:ext>
+            </a:extLst>
+          </p:cNvPr>
+          <p:cNvSpPr/>
+          <p:nvPr/>
+        </p:nvSpPr>
+        <p:spPr>
+          <a:xfrm>
+            <a:off x="8006843" y="2296351"/>
+            <a:ext cx="661323" cy="998379"/>
+          </a:xfrm>
+          <a:prstGeom prst="rect">
+            <a:avLst/>
+          </a:prstGeom>
+          <a:solidFill>
+            <a:srgbClr val="FFFFFF">
+              <a:alpha val="1176"/>
+            </a:srgbClr>
+          </a:solidFill>
+          <a:ln>
+            <a:noFill/>
+          </a:ln>
+        </p:spPr>
+        <p:style>
+          <a:lnRef idx="2">
+            <a:schemeClr val="accent1">
+              <a:shade val="50000"/>
+            </a:schemeClr>
+          </a:lnRef>
+          <a:fillRef idx="1">
+            <a:schemeClr val="accent1"/>
+          </a:fillRef>
+          <a:effectRef idx="0">
+            <a:schemeClr val="accent1"/>
+          </a:effectRef>
+          <a:fontRef idx="minor">
+            <a:schemeClr val="lt1"/>
+          </a:fontRef>
+        </p:style>
+        <p:txBody>
+          <a:bodyPr rtlCol="0" anchor="ctr"/>
+          <a:lstStyle/>
+          <a:p>
+            <a:pPr algn="ctr"/>
+            <a:endParaRPr lang="en-US"/>
+          </a:p>
+        </p:txBody>
+      </p:sp>
+      <p:sp>
+        <p:nvSpPr>
+          <p:cNvPr id="80" name="Rectangle 79">
+            <a:extLst>
+              <a:ext uri="{FF2B5EF4-FFF2-40B4-BE49-F238E27FC236}">
+                <a16:creationId xmlns:a16="http://schemas.microsoft.com/office/drawing/2014/main" id="{4938320D-105C-1546-90A2-C30E71A9BDB9}"/>
+              </a:ext>
+            </a:extLst>
+          </p:cNvPr>
+          <p:cNvSpPr/>
+          <p:nvPr/>
+        </p:nvSpPr>
+        <p:spPr>
+          <a:xfrm>
+            <a:off x="8776793" y="2296351"/>
+            <a:ext cx="661323" cy="998379"/>
+          </a:xfrm>
+          <a:prstGeom prst="rect">
+            <a:avLst/>
+          </a:prstGeom>
+          <a:solidFill>
+            <a:srgbClr val="FFFFFF">
+              <a:alpha val="1176"/>
+            </a:srgbClr>
+          </a:solidFill>
+          <a:ln>
+            <a:noFill/>
+          </a:ln>
+        </p:spPr>
+        <p:style>
+          <a:lnRef idx="2">
+            <a:schemeClr val="accent1">
+              <a:shade val="50000"/>
+            </a:schemeClr>
+          </a:lnRef>
+          <a:fillRef idx="1">
+            <a:schemeClr val="accent1"/>
+          </a:fillRef>
+          <a:effectRef idx="0">
+            <a:schemeClr val="accent1"/>
+          </a:effectRef>
+          <a:fontRef idx="minor">
+            <a:schemeClr val="lt1"/>
+          </a:fontRef>
+        </p:style>
+        <p:txBody>
+          <a:bodyPr rtlCol="0" anchor="ctr"/>
+          <a:lstStyle/>
+          <a:p>
+            <a:pPr algn="ctr"/>
+            <a:endParaRPr lang="en-US"/>
+          </a:p>
+        </p:txBody>
+      </p:sp>
+      <p:cxnSp>
+        <p:nvCxnSpPr>
+          <p:cNvPr id="88" name="Elbow Connector 87">
+            <a:extLst>
+              <a:ext uri="{FF2B5EF4-FFF2-40B4-BE49-F238E27FC236}">
+                <a16:creationId xmlns:a16="http://schemas.microsoft.com/office/drawing/2014/main" id="{BBFA9586-9280-A84F-83C4-C8ED28AA2810}"/>
+              </a:ext>
+            </a:extLst>
+          </p:cNvPr>
+          <p:cNvCxnSpPr>
+            <a:cxnSpLocks/>
+            <a:stCxn id="80" idx="3"/>
+            <a:endCxn id="77" idx="1"/>
+          </p:cNvCxnSpPr>
+          <p:nvPr/>
+        </p:nvCxnSpPr>
+        <p:spPr>
+          <a:xfrm flipH="1" flipV="1">
+            <a:off x="6510382" y="2795540"/>
+            <a:ext cx="2927734" cy="1"/>
+          </a:xfrm>
+          <a:prstGeom prst="bentConnector5">
+            <a:avLst>
+              <a:gd name="adj1" fmla="val -7808"/>
+              <a:gd name="adj2" fmla="val 72779100000"/>
+              <a:gd name="adj3" fmla="val 107808"/>
+            </a:avLst>
+          </a:prstGeom>
+          <a:ln w="25400" cap="rnd">
+            <a:solidFill>
+              <a:srgbClr val="EB4968"/>
+            </a:solidFill>
+            <a:round/>
+            <a:headEnd type="arrow"/>
+            <a:tailEnd type="arrow"/>
+          </a:ln>
+        </p:spPr>
+        <p:style>
+          <a:lnRef idx="1">
+            <a:schemeClr val="accent1"/>
+          </a:lnRef>
+          <a:fillRef idx="0">
+            <a:schemeClr val="accent1"/>
+          </a:fillRef>
+          <a:effectRef idx="0">
+            <a:schemeClr val="accent1"/>
+          </a:effectRef>
+          <a:fontRef idx="minor">
+            <a:schemeClr val="tx1"/>
+          </a:fontRef>
+        </p:style>
+      </p:cxnSp>
+      <p:cxnSp>
+        <p:nvCxnSpPr>
+          <p:cNvPr id="98" name="Elbow Connector 97">
+            <a:extLst>
+              <a:ext uri="{FF2B5EF4-FFF2-40B4-BE49-F238E27FC236}">
+                <a16:creationId xmlns:a16="http://schemas.microsoft.com/office/drawing/2014/main" id="{6BC547DA-3CEA-0B4D-9F5E-C0495D008F04}"/>
+              </a:ext>
+            </a:extLst>
+          </p:cNvPr>
+          <p:cNvCxnSpPr>
+            <a:cxnSpLocks/>
+            <a:stCxn id="12" idx="1"/>
+            <a:endCxn id="11" idx="1"/>
+          </p:cNvCxnSpPr>
+          <p:nvPr/>
+        </p:nvCxnSpPr>
+        <p:spPr>
+          <a:xfrm rot="10800000">
+            <a:off x="9747963" y="4475863"/>
+            <a:ext cx="285270" cy="1552447"/>
+          </a:xfrm>
+          <a:prstGeom prst="bentConnector3">
+            <a:avLst>
+              <a:gd name="adj1" fmla="val 180135"/>
+            </a:avLst>
+          </a:prstGeom>
+          <a:ln w="25400" cap="rnd">
+            <a:solidFill>
+              <a:srgbClr val="EB4968"/>
+            </a:solidFill>
+            <a:round/>
+            <a:tailEnd type="triangle"/>
+          </a:ln>
+        </p:spPr>
+        <p:style>
+          <a:lnRef idx="1">
+            <a:schemeClr val="accent1"/>
+          </a:lnRef>
+          <a:fillRef idx="0">
+            <a:schemeClr val="accent1"/>
+          </a:fillRef>
+          <a:effectRef idx="0">
+            <a:schemeClr val="accent1"/>
+          </a:effectRef>
+          <a:fontRef idx="minor">
+            <a:schemeClr val="tx1"/>
+          </a:fontRef>
+        </p:style>
+      </p:cxnSp>
+      <p:cxnSp>
+        <p:nvCxnSpPr>
+          <p:cNvPr id="101" name="Elbow Connector 100">
+            <a:extLst>
+              <a:ext uri="{FF2B5EF4-FFF2-40B4-BE49-F238E27FC236}">
+                <a16:creationId xmlns:a16="http://schemas.microsoft.com/office/drawing/2014/main" id="{9A4A4DC7-C3CE-154B-BD8B-3C24AB49F0CC}"/>
+              </a:ext>
+            </a:extLst>
+          </p:cNvPr>
+          <p:cNvCxnSpPr>
+            <a:cxnSpLocks/>
+            <a:stCxn id="11" idx="3"/>
+            <a:endCxn id="12" idx="3"/>
+          </p:cNvCxnSpPr>
+          <p:nvPr/>
+        </p:nvCxnSpPr>
+        <p:spPr>
+          <a:xfrm>
+            <a:off x="10477850" y="4475862"/>
+            <a:ext cx="209724" cy="1552447"/>
+          </a:xfrm>
+          <a:prstGeom prst="bentConnector3">
+            <a:avLst>
+              <a:gd name="adj1" fmla="val 253000"/>
+            </a:avLst>
+          </a:prstGeom>
+          <a:ln w="25400" cap="rnd">
+            <a:solidFill>
+              <a:srgbClr val="EB4968"/>
+            </a:solidFill>
+            <a:round/>
+            <a:tailEnd type="triangle"/>
+          </a:ln>
+        </p:spPr>
+        <p:style>
+          <a:lnRef idx="1">
+            <a:schemeClr val="accent1"/>
+          </a:lnRef>
+          <a:fillRef idx="0">
+            <a:schemeClr val="accent1"/>
+          </a:fillRef>
+          <a:effectRef idx="0">
+            <a:schemeClr val="accent1"/>
+          </a:effectRef>
+          <a:fontRef idx="minor">
+            <a:schemeClr val="tx1"/>
+          </a:fontRef>
+        </p:style>
+      </p:cxnSp>
+    </p:spTree>
+    <p:extLst>
+      <p:ext uri="{BB962C8B-B14F-4D97-AF65-F5344CB8AC3E}">
+        <p14:creationId xmlns:p14="http://schemas.microsoft.com/office/powerpoint/2010/main" val="2144016043"/>
+      </p:ext>
+    </p:extLst>
+  </p:cSld>
+  <p:clrMapOvr>
+    <a:masterClrMapping/>
+  </p:clrMapOvr>
+</p:sld>
+</file>
+
 <file path=ppt/slides/slide2.xml><?xml version="1.0" encoding="utf-8"?>
 <p:sld xmlns:a="http://schemas.openxmlformats.org/drawingml/2006/main" xmlns:r="http://schemas.openxmlformats.org/officeDocument/2006/relationships" xmlns:p="http://schemas.openxmlformats.org/presentationml/2006/main">
   <p:cSld>

--- a/Reports/DesignReport.pptx
+++ b/Reports/DesignReport.pptx
@@ -6836,7 +6836,7 @@
         </p:blipFill>
         <p:spPr>
           <a:xfrm>
-            <a:off x="6648771" y="235972"/>
+            <a:off x="7277421" y="235972"/>
             <a:ext cx="4638191" cy="6184255"/>
           </a:xfrm>
           <a:prstGeom prst="rect">
@@ -6871,7 +6871,7 @@
         </p:blipFill>
         <p:spPr>
           <a:xfrm>
-            <a:off x="2058966" y="2491407"/>
+            <a:off x="3876336" y="2491407"/>
             <a:ext cx="2209961" cy="3928820"/>
           </a:xfrm>
           <a:prstGeom prst="rect">

--- a/Reports/DesignReport.pptx
+++ b/Reports/DesignReport.pptx
@@ -268,7 +268,7 @@
           <a:p>
             <a:fld id="{36D65652-806B-124B-8213-71EEF82D2356}" type="datetimeFigureOut">
               <a:rPr lang="en-US" smtClean="0"/>
-              <a:t>9/22/18</a:t>
+              <a:t>10/14/18</a:t>
             </a:fld>
             <a:endParaRPr lang="en-US"/>
           </a:p>
@@ -466,7 +466,7 @@
           <a:p>
             <a:fld id="{36D65652-806B-124B-8213-71EEF82D2356}" type="datetimeFigureOut">
               <a:rPr lang="en-US" smtClean="0"/>
-              <a:t>9/22/18</a:t>
+              <a:t>10/14/18</a:t>
             </a:fld>
             <a:endParaRPr lang="en-US"/>
           </a:p>
@@ -674,7 +674,7 @@
           <a:p>
             <a:fld id="{36D65652-806B-124B-8213-71EEF82D2356}" type="datetimeFigureOut">
               <a:rPr lang="en-US" smtClean="0"/>
-              <a:t>9/22/18</a:t>
+              <a:t>10/14/18</a:t>
             </a:fld>
             <a:endParaRPr lang="en-US"/>
           </a:p>
@@ -872,7 +872,7 @@
           <a:p>
             <a:fld id="{36D65652-806B-124B-8213-71EEF82D2356}" type="datetimeFigureOut">
               <a:rPr lang="en-US" smtClean="0"/>
-              <a:t>9/22/18</a:t>
+              <a:t>10/14/18</a:t>
             </a:fld>
             <a:endParaRPr lang="en-US"/>
           </a:p>
@@ -1147,7 +1147,7 @@
           <a:p>
             <a:fld id="{36D65652-806B-124B-8213-71EEF82D2356}" type="datetimeFigureOut">
               <a:rPr lang="en-US" smtClean="0"/>
-              <a:t>9/22/18</a:t>
+              <a:t>10/14/18</a:t>
             </a:fld>
             <a:endParaRPr lang="en-US"/>
           </a:p>
@@ -1412,7 +1412,7 @@
           <a:p>
             <a:fld id="{36D65652-806B-124B-8213-71EEF82D2356}" type="datetimeFigureOut">
               <a:rPr lang="en-US" smtClean="0"/>
-              <a:t>9/22/18</a:t>
+              <a:t>10/14/18</a:t>
             </a:fld>
             <a:endParaRPr lang="en-US"/>
           </a:p>
@@ -1824,7 +1824,7 @@
           <a:p>
             <a:fld id="{36D65652-806B-124B-8213-71EEF82D2356}" type="datetimeFigureOut">
               <a:rPr lang="en-US" smtClean="0"/>
-              <a:t>9/22/18</a:t>
+              <a:t>10/14/18</a:t>
             </a:fld>
             <a:endParaRPr lang="en-US"/>
           </a:p>
@@ -1965,7 +1965,7 @@
           <a:p>
             <a:fld id="{36D65652-806B-124B-8213-71EEF82D2356}" type="datetimeFigureOut">
               <a:rPr lang="en-US" smtClean="0"/>
-              <a:t>9/22/18</a:t>
+              <a:t>10/14/18</a:t>
             </a:fld>
             <a:endParaRPr lang="en-US"/>
           </a:p>
@@ -2078,7 +2078,7 @@
           <a:p>
             <a:fld id="{36D65652-806B-124B-8213-71EEF82D2356}" type="datetimeFigureOut">
               <a:rPr lang="en-US" smtClean="0"/>
-              <a:t>9/22/18</a:t>
+              <a:t>10/14/18</a:t>
             </a:fld>
             <a:endParaRPr lang="en-US"/>
           </a:p>
@@ -2389,7 +2389,7 @@
           <a:p>
             <a:fld id="{36D65652-806B-124B-8213-71EEF82D2356}" type="datetimeFigureOut">
               <a:rPr lang="en-US" smtClean="0"/>
-              <a:t>9/22/18</a:t>
+              <a:t>10/14/18</a:t>
             </a:fld>
             <a:endParaRPr lang="en-US"/>
           </a:p>
@@ -2677,7 +2677,7 @@
           <a:p>
             <a:fld id="{36D65652-806B-124B-8213-71EEF82D2356}" type="datetimeFigureOut">
               <a:rPr lang="en-US" smtClean="0"/>
-              <a:t>9/22/18</a:t>
+              <a:t>10/14/18</a:t>
             </a:fld>
             <a:endParaRPr lang="en-US"/>
           </a:p>
@@ -2918,7 +2918,7 @@
           <a:p>
             <a:fld id="{36D65652-806B-124B-8213-71EEF82D2356}" type="datetimeFigureOut">
               <a:rPr lang="en-US" smtClean="0"/>
-              <a:t>9/22/18</a:t>
+              <a:t>10/14/18</a:t>
             </a:fld>
             <a:endParaRPr lang="en-US"/>
           </a:p>
@@ -3502,7 +3502,7 @@
         </p:blipFill>
         <p:spPr>
           <a:xfrm>
-            <a:off x="4624264" y="362607"/>
+            <a:off x="5508184" y="362607"/>
             <a:ext cx="6222411" cy="6114141"/>
           </a:xfrm>
           <a:prstGeom prst="rect">
@@ -3525,7 +3525,7 @@
         <p:spPr>
           <a:xfrm>
             <a:off x="282518" y="235972"/>
-            <a:ext cx="3390672" cy="707886"/>
+            <a:ext cx="3749744" cy="707886"/>
           </a:xfrm>
           <a:prstGeom prst="rect">
             <a:avLst/>
@@ -3539,7 +3539,7 @@
           <a:lstStyle/>
           <a:p>
             <a:r>
-              <a:rPr lang="en-US" sz="4000" b="1" dirty="0">
+              <a:rPr lang="en-US" sz="4000" b="1">
                 <a:solidFill>
                   <a:srgbClr val="EB4968"/>
                 </a:solidFill>
@@ -3547,8 +3547,16 @@
                 <a:ea typeface="Roboto" panose="02000000000000000000" pitchFamily="2" charset="0"/>
                 <a:cs typeface="Roboto" panose="02000000000000000000" pitchFamily="2" charset="0"/>
               </a:rPr>
-              <a:t>App Structure</a:t>
-            </a:r>
+              <a:t>Class Diagram</a:t>
+            </a:r>
+            <a:endParaRPr lang="en-US" sz="4000" b="1" dirty="0">
+              <a:solidFill>
+                <a:srgbClr val="EB4968"/>
+              </a:solidFill>
+              <a:latin typeface="Roboto" panose="02000000000000000000" pitchFamily="2" charset="0"/>
+              <a:ea typeface="Roboto" panose="02000000000000000000" pitchFamily="2" charset="0"/>
+              <a:cs typeface="Roboto" panose="02000000000000000000" pitchFamily="2" charset="0"/>
+            </a:endParaRPr>
           </a:p>
         </p:txBody>
       </p:sp>
@@ -3566,7 +3574,7 @@
         </p:nvSpPr>
         <p:spPr>
           <a:xfrm>
-            <a:off x="5801710" y="362607"/>
+            <a:off x="6685630" y="362607"/>
             <a:ext cx="916923" cy="1271883"/>
           </a:xfrm>
           <a:prstGeom prst="rect">
@@ -3620,7 +3628,7 @@
         </p:nvSpPr>
         <p:spPr>
           <a:xfrm>
-            <a:off x="4502500" y="1909438"/>
+            <a:off x="5386420" y="1909438"/>
             <a:ext cx="1178210" cy="1713843"/>
           </a:xfrm>
           <a:prstGeom prst="rect">
@@ -3674,7 +3682,7 @@
         </p:nvSpPr>
         <p:spPr>
           <a:xfrm>
-            <a:off x="4869586" y="3771900"/>
+            <a:off x="5753506" y="3771900"/>
             <a:ext cx="584350" cy="152400"/>
           </a:xfrm>
           <a:prstGeom prst="rect">
@@ -3728,7 +3736,7 @@
         </p:nvSpPr>
         <p:spPr>
           <a:xfrm>
-            <a:off x="4785064" y="4050030"/>
+            <a:off x="5668984" y="4050030"/>
             <a:ext cx="668872" cy="1470661"/>
           </a:xfrm>
           <a:prstGeom prst="rect">
@@ -3782,7 +3790,7 @@
         </p:nvSpPr>
         <p:spPr>
           <a:xfrm>
-            <a:off x="7516969" y="1909438"/>
+            <a:off x="8400889" y="1909438"/>
             <a:ext cx="774509" cy="103607"/>
           </a:xfrm>
           <a:prstGeom prst="rect">
@@ -3836,7 +3844,7 @@
         </p:nvSpPr>
         <p:spPr>
           <a:xfrm>
-            <a:off x="7018019" y="3646170"/>
+            <a:off x="7901939" y="3646170"/>
             <a:ext cx="1165861" cy="1659383"/>
           </a:xfrm>
           <a:prstGeom prst="rect">
@@ -3890,7 +3898,7 @@
         </p:nvSpPr>
         <p:spPr>
           <a:xfrm>
-            <a:off x="8291478" y="3646170"/>
+            <a:off x="9175398" y="3646170"/>
             <a:ext cx="1165861" cy="1659383"/>
           </a:xfrm>
           <a:prstGeom prst="rect">
@@ -3944,7 +3952,7 @@
         </p:nvSpPr>
         <p:spPr>
           <a:xfrm>
-            <a:off x="9747963" y="3646170"/>
+            <a:off x="10631883" y="3646170"/>
             <a:ext cx="729887" cy="1659383"/>
           </a:xfrm>
           <a:prstGeom prst="rect">
@@ -4055,7 +4063,7 @@
         </p:nvCxnSpPr>
         <p:spPr>
           <a:xfrm rot="5400000">
-            <a:off x="5538415" y="1187681"/>
+            <a:off x="6422335" y="1187681"/>
             <a:ext cx="274948" cy="1168567"/>
           </a:xfrm>
           <a:prstGeom prst="bentConnector3">
@@ -4102,61 +4110,12 @@
         </p:nvCxnSpPr>
         <p:spPr>
           <a:xfrm rot="16200000" flipH="1">
-            <a:off x="6944724" y="949938"/>
+            <a:off x="7828644" y="949938"/>
             <a:ext cx="274948" cy="1644052"/>
           </a:xfrm>
           <a:prstGeom prst="bentConnector3">
             <a:avLst>
               <a:gd name="adj1" fmla="val 50000"/>
-            </a:avLst>
-          </a:prstGeom>
-          <a:ln w="25400" cap="rnd">
-            <a:solidFill>
-              <a:srgbClr val="EB4968"/>
-            </a:solidFill>
-            <a:round/>
-            <a:tailEnd type="triangle"/>
-          </a:ln>
-        </p:spPr>
-        <p:style>
-          <a:lnRef idx="1">
-            <a:schemeClr val="accent1"/>
-          </a:lnRef>
-          <a:fillRef idx="0">
-            <a:schemeClr val="accent1"/>
-          </a:fillRef>
-          <a:effectRef idx="0">
-            <a:schemeClr val="accent1"/>
-          </a:effectRef>
-          <a:fontRef idx="minor">
-            <a:schemeClr val="tx1"/>
-          </a:fontRef>
-        </p:style>
-      </p:cxnSp>
-      <p:cxnSp>
-        <p:nvCxnSpPr>
-          <p:cNvPr id="22" name="Elbow Connector 21">
-            <a:extLst>
-              <a:ext uri="{FF2B5EF4-FFF2-40B4-BE49-F238E27FC236}">
-                <a16:creationId xmlns:a16="http://schemas.microsoft.com/office/drawing/2014/main" id="{A072C1A7-F0B3-B74A-8794-50C0D81E9226}"/>
-              </a:ext>
-            </a:extLst>
-          </p:cNvPr>
-          <p:cNvCxnSpPr>
-            <a:cxnSpLocks/>
-            <a:stCxn id="6" idx="3"/>
-            <a:endCxn id="8" idx="1"/>
-          </p:cNvCxnSpPr>
-          <p:nvPr/>
-        </p:nvCxnSpPr>
-        <p:spPr>
-          <a:xfrm flipV="1">
-            <a:off x="5453936" y="1961242"/>
-            <a:ext cx="2063033" cy="1886858"/>
-          </a:xfrm>
-          <a:prstGeom prst="bentConnector3">
-            <a:avLst>
-              <a:gd name="adj1" fmla="val 27193"/>
             </a:avLst>
           </a:prstGeom>
           <a:ln w="25400" cap="rnd">
@@ -4200,7 +4159,7 @@
         </p:nvCxnSpPr>
         <p:spPr>
           <a:xfrm rot="10800000" flipV="1">
-            <a:off x="4785064" y="3848099"/>
+            <a:off x="5668984" y="3848099"/>
             <a:ext cx="84522" cy="937261"/>
           </a:xfrm>
           <a:prstGeom prst="bentConnector3">
@@ -4249,7 +4208,7 @@
         </p:nvCxnSpPr>
         <p:spPr>
           <a:xfrm flipH="1" flipV="1">
-            <a:off x="5161761" y="3924300"/>
+            <a:off x="6045681" y="3924300"/>
             <a:ext cx="292175" cy="861061"/>
           </a:xfrm>
           <a:prstGeom prst="bentConnector4">
@@ -4299,7 +4258,7 @@
         </p:nvCxnSpPr>
         <p:spPr>
           <a:xfrm rot="5400000">
-            <a:off x="8209378" y="2729576"/>
+            <a:off x="9093298" y="2729576"/>
             <a:ext cx="308166" cy="1525022"/>
           </a:xfrm>
           <a:prstGeom prst="bentConnector3">
@@ -4344,7 +4303,7 @@
         </p:nvSpPr>
         <p:spPr>
           <a:xfrm>
-            <a:off x="8738717" y="2088471"/>
+            <a:off x="9622637" y="2088471"/>
             <a:ext cx="774509" cy="1249533"/>
           </a:xfrm>
           <a:prstGeom prst="rect">
@@ -4402,7 +4361,7 @@
         </p:nvCxnSpPr>
         <p:spPr>
           <a:xfrm rot="5400000">
-            <a:off x="8846108" y="3366306"/>
+            <a:off x="9730028" y="3366306"/>
             <a:ext cx="308166" cy="251563"/>
           </a:xfrm>
           <a:prstGeom prst="bentConnector3">
@@ -4451,7 +4410,7 @@
         </p:nvCxnSpPr>
         <p:spPr>
           <a:xfrm rot="16200000" flipH="1">
-            <a:off x="9465356" y="2998619"/>
+            <a:off x="10349276" y="2998619"/>
             <a:ext cx="308166" cy="986935"/>
           </a:xfrm>
           <a:prstGeom prst="bentConnector3">
@@ -4496,7 +4455,7 @@
         </p:nvSpPr>
         <p:spPr>
           <a:xfrm>
-            <a:off x="6510382" y="2296350"/>
+            <a:off x="7394302" y="2296350"/>
             <a:ext cx="661323" cy="998379"/>
           </a:xfrm>
           <a:prstGeom prst="rect">
@@ -4550,7 +4509,7 @@
         </p:nvSpPr>
         <p:spPr>
           <a:xfrm>
-            <a:off x="7256858" y="2296350"/>
+            <a:off x="8140778" y="2296350"/>
             <a:ext cx="661323" cy="998379"/>
           </a:xfrm>
           <a:prstGeom prst="rect">
@@ -4604,7 +4563,7 @@
         </p:nvSpPr>
         <p:spPr>
           <a:xfrm>
-            <a:off x="8006843" y="2296351"/>
+            <a:off x="8890763" y="2296351"/>
             <a:ext cx="661323" cy="998379"/>
           </a:xfrm>
           <a:prstGeom prst="rect">
@@ -4658,7 +4617,7 @@
         </p:nvSpPr>
         <p:spPr>
           <a:xfrm>
-            <a:off x="8776793" y="2296351"/>
+            <a:off x="9660713" y="2296351"/>
             <a:ext cx="661323" cy="998379"/>
           </a:xfrm>
           <a:prstGeom prst="rect">
@@ -4716,7 +4675,7 @@
         </p:nvCxnSpPr>
         <p:spPr>
           <a:xfrm flipH="1" flipV="1">
-            <a:off x="6510382" y="2795540"/>
+            <a:off x="7394302" y="2795540"/>
             <a:ext cx="2927734" cy="1"/>
           </a:xfrm>
           <a:prstGeom prst="bentConnector5">
@@ -4761,14 +4720,13 @@
           </p:cNvPr>
           <p:cNvCxnSpPr>
             <a:cxnSpLocks/>
-            <a:stCxn id="12" idx="1"/>
             <a:endCxn id="11" idx="1"/>
           </p:cNvCxnSpPr>
           <p:nvPr/>
         </p:nvCxnSpPr>
         <p:spPr>
           <a:xfrm rot="10800000">
-            <a:off x="9747963" y="4475863"/>
+            <a:off x="10631883" y="4475863"/>
             <a:ext cx="285270" cy="1552447"/>
           </a:xfrm>
           <a:prstGeom prst="bentConnector3">
@@ -4811,13 +4769,12 @@
           <p:cNvCxnSpPr>
             <a:cxnSpLocks/>
             <a:stCxn id="11" idx="3"/>
-            <a:endCxn id="12" idx="3"/>
           </p:cNvCxnSpPr>
           <p:nvPr/>
         </p:nvCxnSpPr>
         <p:spPr>
           <a:xfrm>
-            <a:off x="10477850" y="4475862"/>
+            <a:off x="11361770" y="4475862"/>
             <a:ext cx="209724" cy="1552447"/>
           </a:xfrm>
           <a:prstGeom prst="bentConnector3">
@@ -4830,6 +4787,456 @@
               <a:srgbClr val="EB4968"/>
             </a:solidFill>
             <a:round/>
+            <a:tailEnd type="triangle"/>
+          </a:ln>
+        </p:spPr>
+        <p:style>
+          <a:lnRef idx="1">
+            <a:schemeClr val="accent1"/>
+          </a:lnRef>
+          <a:fillRef idx="0">
+            <a:schemeClr val="accent1"/>
+          </a:fillRef>
+          <a:effectRef idx="0">
+            <a:schemeClr val="accent1"/>
+          </a:effectRef>
+          <a:fontRef idx="minor">
+            <a:schemeClr val="tx1"/>
+          </a:fontRef>
+        </p:style>
+      </p:cxnSp>
+      <p:sp>
+        <p:nvSpPr>
+          <p:cNvPr id="38" name="Can 37">
+            <a:extLst>
+              <a:ext uri="{FF2B5EF4-FFF2-40B4-BE49-F238E27FC236}">
+                <a16:creationId xmlns:a16="http://schemas.microsoft.com/office/drawing/2014/main" id="{102D7E23-E336-4445-B252-DA0747CB227B}"/>
+              </a:ext>
+            </a:extLst>
+          </p:cNvPr>
+          <p:cNvSpPr/>
+          <p:nvPr/>
+        </p:nvSpPr>
+        <p:spPr>
+          <a:xfrm>
+            <a:off x="2954936" y="2134110"/>
+            <a:ext cx="1219799" cy="1357976"/>
+          </a:xfrm>
+          <a:prstGeom prst="can">
+            <a:avLst/>
+          </a:prstGeom>
+          <a:solidFill>
+            <a:srgbClr val="FF79A1"/>
+          </a:solidFill>
+          <a:ln>
+            <a:solidFill>
+              <a:schemeClr val="tx1"/>
+            </a:solidFill>
+          </a:ln>
+        </p:spPr>
+        <p:style>
+          <a:lnRef idx="2">
+            <a:schemeClr val="accent1">
+              <a:shade val="50000"/>
+            </a:schemeClr>
+          </a:lnRef>
+          <a:fillRef idx="1">
+            <a:schemeClr val="accent1"/>
+          </a:fillRef>
+          <a:effectRef idx="0">
+            <a:schemeClr val="accent1"/>
+          </a:effectRef>
+          <a:fontRef idx="minor">
+            <a:schemeClr val="lt1"/>
+          </a:fontRef>
+        </p:style>
+        <p:txBody>
+          <a:bodyPr rtlCol="0" anchor="ctr"/>
+          <a:lstStyle/>
+          <a:p>
+            <a:pPr algn="ctr"/>
+            <a:r>
+              <a:rPr lang="en-US" b="1" dirty="0">
+                <a:solidFill>
+                  <a:schemeClr val="bg1"/>
+                </a:solidFill>
+              </a:rPr>
+              <a:t>Repository</a:t>
+            </a:r>
+          </a:p>
+        </p:txBody>
+      </p:sp>
+      <p:cxnSp>
+        <p:nvCxnSpPr>
+          <p:cNvPr id="40" name="Straight Arrow Connector 39">
+            <a:extLst>
+              <a:ext uri="{FF2B5EF4-FFF2-40B4-BE49-F238E27FC236}">
+                <a16:creationId xmlns:a16="http://schemas.microsoft.com/office/drawing/2014/main" id="{88FC9A07-33B7-1748-8E95-245DF5F6DD56}"/>
+              </a:ext>
+            </a:extLst>
+          </p:cNvPr>
+          <p:cNvCxnSpPr>
+            <a:cxnSpLocks/>
+          </p:cNvCxnSpPr>
+          <p:nvPr/>
+        </p:nvCxnSpPr>
+        <p:spPr>
+          <a:xfrm flipH="1">
+            <a:off x="4251092" y="2766359"/>
+            <a:ext cx="940493" cy="0"/>
+          </a:xfrm>
+          <a:prstGeom prst="straightConnector1">
+            <a:avLst/>
+          </a:prstGeom>
+          <a:ln w="25400">
+            <a:solidFill>
+              <a:srgbClr val="EB4968"/>
+            </a:solidFill>
+            <a:tailEnd type="triangle"/>
+          </a:ln>
+        </p:spPr>
+        <p:style>
+          <a:lnRef idx="1">
+            <a:schemeClr val="accent1"/>
+          </a:lnRef>
+          <a:fillRef idx="0">
+            <a:schemeClr val="accent1"/>
+          </a:fillRef>
+          <a:effectRef idx="0">
+            <a:schemeClr val="accent1"/>
+          </a:effectRef>
+          <a:fontRef idx="minor">
+            <a:schemeClr val="tx1"/>
+          </a:fontRef>
+        </p:style>
+      </p:cxnSp>
+      <p:sp>
+        <p:nvSpPr>
+          <p:cNvPr id="43" name="Horizontal Scroll 42">
+            <a:extLst>
+              <a:ext uri="{FF2B5EF4-FFF2-40B4-BE49-F238E27FC236}">
+                <a16:creationId xmlns:a16="http://schemas.microsoft.com/office/drawing/2014/main" id="{276EE754-CA39-CF4A-8351-9D308F02AF4A}"/>
+              </a:ext>
+            </a:extLst>
+          </p:cNvPr>
+          <p:cNvSpPr/>
+          <p:nvPr/>
+        </p:nvSpPr>
+        <p:spPr>
+          <a:xfrm>
+            <a:off x="2671647" y="4050030"/>
+            <a:ext cx="1736525" cy="1280317"/>
+          </a:xfrm>
+          <a:prstGeom prst="horizontalScroll">
+            <a:avLst/>
+          </a:prstGeom>
+          <a:solidFill>
+            <a:srgbClr val="FF79A1"/>
+          </a:solidFill>
+          <a:ln>
+            <a:solidFill>
+              <a:schemeClr val="tx1"/>
+            </a:solidFill>
+          </a:ln>
+        </p:spPr>
+        <p:style>
+          <a:lnRef idx="2">
+            <a:schemeClr val="accent1">
+              <a:shade val="50000"/>
+            </a:schemeClr>
+          </a:lnRef>
+          <a:fillRef idx="1">
+            <a:schemeClr val="accent1"/>
+          </a:fillRef>
+          <a:effectRef idx="0">
+            <a:schemeClr val="accent1"/>
+          </a:effectRef>
+          <a:fontRef idx="minor">
+            <a:schemeClr val="lt1"/>
+          </a:fontRef>
+        </p:style>
+        <p:txBody>
+          <a:bodyPr rtlCol="0" anchor="ctr"/>
+          <a:lstStyle/>
+          <a:p>
+            <a:pPr algn="ctr"/>
+            <a:r>
+              <a:rPr lang="en-US" b="1" dirty="0"/>
+              <a:t>View Model</a:t>
+            </a:r>
+          </a:p>
+        </p:txBody>
+      </p:sp>
+      <p:cxnSp>
+        <p:nvCxnSpPr>
+          <p:cNvPr id="84" name="Elbow Connector 83">
+            <a:extLst>
+              <a:ext uri="{FF2B5EF4-FFF2-40B4-BE49-F238E27FC236}">
+                <a16:creationId xmlns:a16="http://schemas.microsoft.com/office/drawing/2014/main" id="{3B90C379-2551-0745-8937-11AC09E1D8B7}"/>
+              </a:ext>
+            </a:extLst>
+          </p:cNvPr>
+          <p:cNvCxnSpPr>
+            <a:cxnSpLocks/>
+          </p:cNvCxnSpPr>
+          <p:nvPr/>
+        </p:nvCxnSpPr>
+        <p:spPr>
+          <a:xfrm flipV="1">
+            <a:off x="5191585" y="1930781"/>
+            <a:ext cx="3200400" cy="4023360"/>
+          </a:xfrm>
+          <a:prstGeom prst="bentConnector3">
+            <a:avLst>
+              <a:gd name="adj1" fmla="val 58253"/>
+            </a:avLst>
+          </a:prstGeom>
+          <a:ln w="25400" cap="rnd">
+            <a:solidFill>
+              <a:srgbClr val="EB4968"/>
+            </a:solidFill>
+            <a:round/>
+            <a:tailEnd type="triangle"/>
+          </a:ln>
+        </p:spPr>
+        <p:style>
+          <a:lnRef idx="1">
+            <a:schemeClr val="accent1"/>
+          </a:lnRef>
+          <a:fillRef idx="0">
+            <a:schemeClr val="accent1"/>
+          </a:fillRef>
+          <a:effectRef idx="0">
+            <a:schemeClr val="accent1"/>
+          </a:effectRef>
+          <a:fontRef idx="minor">
+            <a:schemeClr val="tx1"/>
+          </a:fontRef>
+        </p:style>
+      </p:cxnSp>
+      <p:cxnSp>
+        <p:nvCxnSpPr>
+          <p:cNvPr id="93" name="Elbow Connector 92">
+            <a:extLst>
+              <a:ext uri="{FF2B5EF4-FFF2-40B4-BE49-F238E27FC236}">
+                <a16:creationId xmlns:a16="http://schemas.microsoft.com/office/drawing/2014/main" id="{A0899991-E141-C14E-BBA6-5BB7EA2B6E9A}"/>
+              </a:ext>
+            </a:extLst>
+          </p:cNvPr>
+          <p:cNvCxnSpPr>
+            <a:cxnSpLocks/>
+          </p:cNvCxnSpPr>
+          <p:nvPr/>
+        </p:nvCxnSpPr>
+        <p:spPr>
+          <a:xfrm rot="10800000">
+            <a:off x="3485090" y="5198619"/>
+            <a:ext cx="1920240" cy="757863"/>
+          </a:xfrm>
+          <a:prstGeom prst="bentConnector3">
+            <a:avLst>
+              <a:gd name="adj1" fmla="val 99951"/>
+            </a:avLst>
+          </a:prstGeom>
+          <a:ln w="25400" cap="rnd">
+            <a:solidFill>
+              <a:srgbClr val="EB4968"/>
+            </a:solidFill>
+            <a:round/>
+            <a:tailEnd type="triangle"/>
+          </a:ln>
+        </p:spPr>
+        <p:style>
+          <a:lnRef idx="1">
+            <a:schemeClr val="accent1"/>
+          </a:lnRef>
+          <a:fillRef idx="0">
+            <a:schemeClr val="accent1"/>
+          </a:fillRef>
+          <a:effectRef idx="0">
+            <a:schemeClr val="accent1"/>
+          </a:effectRef>
+          <a:fontRef idx="minor">
+            <a:schemeClr val="tx1"/>
+          </a:fontRef>
+        </p:style>
+      </p:cxnSp>
+      <p:cxnSp>
+        <p:nvCxnSpPr>
+          <p:cNvPr id="109" name="Straight Arrow Connector 108">
+            <a:extLst>
+              <a:ext uri="{FF2B5EF4-FFF2-40B4-BE49-F238E27FC236}">
+                <a16:creationId xmlns:a16="http://schemas.microsoft.com/office/drawing/2014/main" id="{0A2E4072-895D-9F46-84D8-568F657CEBDD}"/>
+              </a:ext>
+            </a:extLst>
+          </p:cNvPr>
+          <p:cNvCxnSpPr/>
+          <p:nvPr/>
+        </p:nvCxnSpPr>
+        <p:spPr>
+          <a:xfrm flipV="1">
+            <a:off x="3215640" y="3623281"/>
+            <a:ext cx="0" cy="537239"/>
+          </a:xfrm>
+          <a:prstGeom prst="straightConnector1">
+            <a:avLst/>
+          </a:prstGeom>
+          <a:ln w="25400">
+            <a:solidFill>
+              <a:srgbClr val="EB4968"/>
+            </a:solidFill>
+            <a:tailEnd type="triangle"/>
+          </a:ln>
+        </p:spPr>
+        <p:style>
+          <a:lnRef idx="1">
+            <a:schemeClr val="accent1"/>
+          </a:lnRef>
+          <a:fillRef idx="0">
+            <a:schemeClr val="accent1"/>
+          </a:fillRef>
+          <a:effectRef idx="0">
+            <a:schemeClr val="accent1"/>
+          </a:effectRef>
+          <a:fontRef idx="minor">
+            <a:schemeClr val="tx1"/>
+          </a:fontRef>
+        </p:style>
+      </p:cxnSp>
+      <p:cxnSp>
+        <p:nvCxnSpPr>
+          <p:cNvPr id="111" name="Straight Arrow Connector 110">
+            <a:extLst>
+              <a:ext uri="{FF2B5EF4-FFF2-40B4-BE49-F238E27FC236}">
+                <a16:creationId xmlns:a16="http://schemas.microsoft.com/office/drawing/2014/main" id="{38F0AC1B-5FA3-C641-A36D-DCA38A0A3141}"/>
+              </a:ext>
+            </a:extLst>
+          </p:cNvPr>
+          <p:cNvCxnSpPr/>
+          <p:nvPr/>
+        </p:nvCxnSpPr>
+        <p:spPr>
+          <a:xfrm>
+            <a:off x="3810000" y="3646170"/>
+            <a:ext cx="0" cy="514350"/>
+          </a:xfrm>
+          <a:prstGeom prst="straightConnector1">
+            <a:avLst/>
+          </a:prstGeom>
+          <a:ln w="25400">
+            <a:solidFill>
+              <a:srgbClr val="EB4968"/>
+            </a:solidFill>
+            <a:tailEnd type="triangle"/>
+          </a:ln>
+        </p:spPr>
+        <p:style>
+          <a:lnRef idx="1">
+            <a:schemeClr val="accent1"/>
+          </a:lnRef>
+          <a:fillRef idx="0">
+            <a:schemeClr val="accent1"/>
+          </a:fillRef>
+          <a:effectRef idx="0">
+            <a:schemeClr val="accent1"/>
+          </a:effectRef>
+          <a:fontRef idx="minor">
+            <a:schemeClr val="tx1"/>
+          </a:fontRef>
+        </p:style>
+      </p:cxnSp>
+      <p:sp>
+        <p:nvSpPr>
+          <p:cNvPr id="118" name="Cube 117">
+            <a:extLst>
+              <a:ext uri="{FF2B5EF4-FFF2-40B4-BE49-F238E27FC236}">
+                <a16:creationId xmlns:a16="http://schemas.microsoft.com/office/drawing/2014/main" id="{FB724AB9-3444-4E43-9E72-E6D27A978826}"/>
+              </a:ext>
+            </a:extLst>
+          </p:cNvPr>
+          <p:cNvSpPr/>
+          <p:nvPr/>
+        </p:nvSpPr>
+        <p:spPr>
+          <a:xfrm>
+            <a:off x="573171" y="2211146"/>
+            <a:ext cx="1408946" cy="1195736"/>
+          </a:xfrm>
+          <a:prstGeom prst="cube">
+            <a:avLst/>
+          </a:prstGeom>
+          <a:solidFill>
+            <a:srgbClr val="FF79A1"/>
+          </a:solidFill>
+          <a:ln>
+            <a:solidFill>
+              <a:schemeClr val="tx1"/>
+            </a:solidFill>
+          </a:ln>
+        </p:spPr>
+        <p:style>
+          <a:lnRef idx="2">
+            <a:schemeClr val="accent1">
+              <a:shade val="50000"/>
+            </a:schemeClr>
+          </a:lnRef>
+          <a:fillRef idx="1">
+            <a:schemeClr val="accent1"/>
+          </a:fillRef>
+          <a:effectRef idx="0">
+            <a:schemeClr val="accent1"/>
+          </a:effectRef>
+          <a:fontRef idx="minor">
+            <a:schemeClr val="lt1"/>
+          </a:fontRef>
+        </p:style>
+        <p:txBody>
+          <a:bodyPr rot="0" spcFirstLastPara="0" vertOverflow="overflow" horzOverflow="overflow" vert="horz" wrap="square" lIns="91440" tIns="45720" rIns="91440" bIns="45720" numCol="1" spcCol="0" rtlCol="0" fromWordArt="0" anchor="ctr" anchorCtr="0" forceAA="0" compatLnSpc="1">
+            <a:prstTxWarp prst="textNoShape">
+              <a:avLst/>
+            </a:prstTxWarp>
+            <a:noAutofit/>
+          </a:bodyPr>
+          <a:lstStyle/>
+          <a:p>
+            <a:pPr algn="ctr"/>
+            <a:r>
+              <a:rPr lang="en-US" b="1" dirty="0">
+                <a:solidFill>
+                  <a:schemeClr val="bg1"/>
+                </a:solidFill>
+              </a:rPr>
+              <a:t>Room DB</a:t>
+            </a:r>
+          </a:p>
+        </p:txBody>
+      </p:sp>
+      <p:cxnSp>
+        <p:nvCxnSpPr>
+          <p:cNvPr id="120" name="Straight Arrow Connector 119">
+            <a:extLst>
+              <a:ext uri="{FF2B5EF4-FFF2-40B4-BE49-F238E27FC236}">
+                <a16:creationId xmlns:a16="http://schemas.microsoft.com/office/drawing/2014/main" id="{1174DEF4-721D-D345-BE4D-1D9652CB8C4A}"/>
+              </a:ext>
+            </a:extLst>
+          </p:cNvPr>
+          <p:cNvCxnSpPr>
+            <a:cxnSpLocks/>
+          </p:cNvCxnSpPr>
+          <p:nvPr/>
+        </p:nvCxnSpPr>
+        <p:spPr>
+          <a:xfrm>
+            <a:off x="2054054" y="2758876"/>
+            <a:ext cx="780586" cy="7483"/>
+          </a:xfrm>
+          <a:prstGeom prst="straightConnector1">
+            <a:avLst/>
+          </a:prstGeom>
+          <a:ln w="25400">
+            <a:solidFill>
+              <a:srgbClr val="EB4968"/>
+            </a:solidFill>
             <a:tailEnd type="triangle"/>
           </a:ln>
         </p:spPr>
